--- a/cg/Constructor3D/Презентация.pptx
+++ b/cg/Constructor3D/Презентация.pptx
@@ -5,7 +5,7 @@
     <p:sldMasterId id="2147483660" r:id="rId1"/>
   </p:sldMasterIdLst>
   <p:notesMasterIdLst>
-    <p:notesMasterId r:id="rId14"/>
+    <p:notesMasterId r:id="rId13"/>
   </p:notesMasterIdLst>
   <p:sldIdLst>
     <p:sldId id="256" r:id="rId2"/>
@@ -14,12 +14,11 @@
     <p:sldId id="259" r:id="rId5"/>
     <p:sldId id="260" r:id="rId6"/>
     <p:sldId id="261" r:id="rId7"/>
-    <p:sldId id="266" r:id="rId8"/>
-    <p:sldId id="267" r:id="rId9"/>
-    <p:sldId id="268" r:id="rId10"/>
-    <p:sldId id="262" r:id="rId11"/>
-    <p:sldId id="263" r:id="rId12"/>
-    <p:sldId id="265" r:id="rId13"/>
+    <p:sldId id="267" r:id="rId8"/>
+    <p:sldId id="268" r:id="rId9"/>
+    <p:sldId id="262" r:id="rId10"/>
+    <p:sldId id="263" r:id="rId11"/>
+    <p:sldId id="265" r:id="rId12"/>
   </p:sldIdLst>
   <p:sldSz cx="12192000" cy="6858000"/>
   <p:notesSz cx="6858000" cy="9144000"/>
@@ -475,6 +474,90 @@
 </p:notesMaster>
 </file>
 
+<file path=ppt/notesSlides/notesSlide1.xml><?xml version="1.0" encoding="utf-8"?>
+<p:notes xmlns:a="http://schemas.openxmlformats.org/drawingml/2006/main" xmlns:r="http://schemas.openxmlformats.org/officeDocument/2006/relationships" xmlns:p="http://schemas.openxmlformats.org/presentationml/2006/main">
+  <p:cSld>
+    <p:spTree>
+      <p:nvGrpSpPr>
+        <p:cNvPr id="1" name=""/>
+        <p:cNvGrpSpPr/>
+        <p:nvPr/>
+      </p:nvGrpSpPr>
+      <p:grpSpPr>
+        <a:xfrm>
+          <a:off x="0" y="0"/>
+          <a:ext cx="0" cy="0"/>
+          <a:chOff x="0" y="0"/>
+          <a:chExt cx="0" cy="0"/>
+        </a:xfrm>
+      </p:grpSpPr>
+      <p:sp>
+        <p:nvSpPr>
+          <p:cNvPr id="2" name="Образ слайда 1"/>
+          <p:cNvSpPr>
+            <a:spLocks noGrp="1" noRot="1" noChangeAspect="1"/>
+          </p:cNvSpPr>
+          <p:nvPr>
+            <p:ph type="sldImg"/>
+          </p:nvPr>
+        </p:nvSpPr>
+        <p:spPr/>
+      </p:sp>
+      <p:sp>
+        <p:nvSpPr>
+          <p:cNvPr id="3" name="Заметки 2"/>
+          <p:cNvSpPr>
+            <a:spLocks noGrp="1"/>
+          </p:cNvSpPr>
+          <p:nvPr>
+            <p:ph type="body" idx="1"/>
+          </p:nvPr>
+        </p:nvSpPr>
+        <p:spPr/>
+        <p:txBody>
+          <a:bodyPr/>
+          <a:lstStyle/>
+          <a:p>
+            <a:endParaRPr lang="ru-RU" dirty="0"/>
+          </a:p>
+        </p:txBody>
+      </p:sp>
+      <p:sp>
+        <p:nvSpPr>
+          <p:cNvPr id="4" name="Номер слайда 3"/>
+          <p:cNvSpPr>
+            <a:spLocks noGrp="1"/>
+          </p:cNvSpPr>
+          <p:nvPr>
+            <p:ph type="sldNum" sz="quarter" idx="5"/>
+          </p:nvPr>
+        </p:nvSpPr>
+        <p:spPr/>
+        <p:txBody>
+          <a:bodyPr/>
+          <a:lstStyle/>
+          <a:p>
+            <a:fld id="{0AD7C9A7-C980-4543-B175-ACE83F3FFD5A}" type="slidenum">
+              <a:rPr lang="ru-RU" smtClean="0"/>
+              <a:t>4</a:t>
+            </a:fld>
+            <a:endParaRPr lang="ru-RU"/>
+          </a:p>
+        </p:txBody>
+      </p:sp>
+    </p:spTree>
+    <p:extLst>
+      <p:ext uri="{BB962C8B-B14F-4D97-AF65-F5344CB8AC3E}">
+        <p14:creationId xmlns:p14="http://schemas.microsoft.com/office/powerpoint/2010/main" val="792079655"/>
+      </p:ext>
+    </p:extLst>
+  </p:cSld>
+  <p:clrMapOvr>
+    <a:masterClrMapping/>
+  </p:clrMapOvr>
+</p:notes>
+</file>
+
 <file path=ppt/slideLayouts/slideLayout1.xml><?xml version="1.0" encoding="utf-8"?>
 <p:sldLayout xmlns:a="http://schemas.openxmlformats.org/drawingml/2006/main" xmlns:r="http://schemas.openxmlformats.org/officeDocument/2006/relationships" xmlns:p="http://schemas.openxmlformats.org/presentationml/2006/main" type="title" preserve="1">
   <p:cSld name="Титульный слайд">
@@ -570,7 +653,7 @@
           <a:effectLst/>
           <a:extLst>
             <a:ext uri="{91240B29-F687-4f45-9708-019B960494DF}">
-              <a14:hiddenLine xmlns="" xmlns:a14="http://schemas.microsoft.com/office/drawing/2010/main" w="9525">
+              <a14:hiddenLine xmlns:a14="http://schemas.microsoft.com/office/drawing/2010/main" xmlns="" w="9525">
                 <a:solidFill>
                   <a:srgbClr val="000000"/>
                 </a:solidFill>
@@ -2092,7 +2175,7 @@
           <a:ln/>
           <a:extLst>
             <a:ext uri="{91240B29-F687-4f45-9708-019B960494DF}">
-              <a14:hiddenLine xmlns="" xmlns:a14="http://schemas.microsoft.com/office/drawing/2010/main" w="9525">
+              <a14:hiddenLine xmlns:a14="http://schemas.microsoft.com/office/drawing/2010/main" xmlns="" w="9525">
                 <a:solidFill>
                   <a:srgbClr val="000000"/>
                 </a:solidFill>
@@ -2367,7 +2450,7 @@
           <a:ln/>
           <a:extLst>
             <a:ext uri="{91240B29-F687-4f45-9708-019B960494DF}">
-              <a14:hiddenLine xmlns="" xmlns:a14="http://schemas.microsoft.com/office/drawing/2010/main" w="9525">
+              <a14:hiddenLine xmlns:a14="http://schemas.microsoft.com/office/drawing/2010/main" xmlns="" w="9525">
                 <a:solidFill>
                   <a:srgbClr val="000000"/>
                 </a:solidFill>
@@ -2650,7 +2733,7 @@
           <a:ln/>
           <a:extLst>
             <a:ext uri="{91240B29-F687-4f45-9708-019B960494DF}">
-              <a14:hiddenLine xmlns="" xmlns:a14="http://schemas.microsoft.com/office/drawing/2010/main" w="9525">
+              <a14:hiddenLine xmlns:a14="http://schemas.microsoft.com/office/drawing/2010/main" xmlns="" w="9525">
                 <a:solidFill>
                   <a:srgbClr val="000000"/>
                 </a:solidFill>
@@ -3276,7 +3359,7 @@
           <a:ln/>
           <a:extLst>
             <a:ext uri="{91240B29-F687-4f45-9708-019B960494DF}">
-              <a14:hiddenLine xmlns="" xmlns:a14="http://schemas.microsoft.com/office/drawing/2010/main" w="9525">
+              <a14:hiddenLine xmlns:a14="http://schemas.microsoft.com/office/drawing/2010/main" xmlns="" w="9525">
                 <a:solidFill>
                   <a:srgbClr val="000000"/>
                 </a:solidFill>
@@ -3615,7 +3698,7 @@
           <a:ln/>
           <a:extLst>
             <a:ext uri="{91240B29-F687-4f45-9708-019B960494DF}">
-              <a14:hiddenLine xmlns="" xmlns:a14="http://schemas.microsoft.com/office/drawing/2010/main" w="9525">
+              <a14:hiddenLine xmlns:a14="http://schemas.microsoft.com/office/drawing/2010/main" xmlns="" w="9525">
                 <a:solidFill>
                   <a:srgbClr val="000000"/>
                 </a:solidFill>
@@ -4092,7 +4175,7 @@
           <a:ln/>
           <a:extLst>
             <a:ext uri="{91240B29-F687-4f45-9708-019B960494DF}">
-              <a14:hiddenLine xmlns="" xmlns:a14="http://schemas.microsoft.com/office/drawing/2010/main" w="9525">
+              <a14:hiddenLine xmlns:a14="http://schemas.microsoft.com/office/drawing/2010/main" xmlns="" w="9525">
                 <a:solidFill>
                   <a:srgbClr val="000000"/>
                 </a:solidFill>
@@ -4521,7 +4604,7 @@
           <a:ln/>
           <a:extLst>
             <a:ext uri="{91240B29-F687-4f45-9708-019B960494DF}">
-              <a14:hiddenLine xmlns="" xmlns:a14="http://schemas.microsoft.com/office/drawing/2010/main" w="9525">
+              <a14:hiddenLine xmlns:a14="http://schemas.microsoft.com/office/drawing/2010/main" xmlns="" w="9525">
                 <a:solidFill>
                   <a:srgbClr val="000000"/>
                 </a:solidFill>
@@ -6126,123 +6209,6 @@
           <p:cNvPr id="2" name="Заголовок 1">
             <a:extLst>
               <a:ext uri="{FF2B5EF4-FFF2-40B4-BE49-F238E27FC236}">
-                <a16:creationId xmlns:a16="http://schemas.microsoft.com/office/drawing/2014/main" id="{03819F70-BFD2-42B6-8430-4465F4B39919}"/>
-              </a:ext>
-            </a:extLst>
-          </p:cNvPr>
-          <p:cNvSpPr>
-            <a:spLocks noGrp="1"/>
-          </p:cNvSpPr>
-          <p:nvPr>
-            <p:ph type="title"/>
-          </p:nvPr>
-        </p:nvSpPr>
-        <p:spPr/>
-        <p:txBody>
-          <a:bodyPr/>
-          <a:lstStyle/>
-          <a:p>
-            <a:r>
-              <a:rPr lang="ru-RU" dirty="0"/>
-              <a:t>Интерфейс программы</a:t>
-            </a:r>
-          </a:p>
-        </p:txBody>
-      </p:sp>
-      <p:pic>
-        <p:nvPicPr>
-          <p:cNvPr id="5" name="Рисунок 4">
-            <a:extLst>
-              <a:ext uri="{FF2B5EF4-FFF2-40B4-BE49-F238E27FC236}">
-                <a16:creationId xmlns:a16="http://schemas.microsoft.com/office/drawing/2014/main" id="{147CCFF0-6503-493F-8DFF-9F3413A30226}"/>
-              </a:ext>
-            </a:extLst>
-          </p:cNvPr>
-          <p:cNvPicPr>
-            <a:picLocks noChangeAspect="1"/>
-          </p:cNvPicPr>
-          <p:nvPr/>
-        </p:nvPicPr>
-        <p:blipFill>
-          <a:blip r:embed="rId2"/>
-          <a:stretch>
-            <a:fillRect/>
-          </a:stretch>
-        </p:blipFill>
-        <p:spPr>
-          <a:xfrm>
-            <a:off x="2312733" y="1592473"/>
-            <a:ext cx="7566531" cy="4694051"/>
-          </a:xfrm>
-          <a:prstGeom prst="rect">
-            <a:avLst/>
-          </a:prstGeom>
-        </p:spPr>
-      </p:pic>
-      <p:sp>
-        <p:nvSpPr>
-          <p:cNvPr id="3" name="Номер слайда 2">
-            <a:extLst>
-              <a:ext uri="{FF2B5EF4-FFF2-40B4-BE49-F238E27FC236}">
-                <a16:creationId xmlns:a16="http://schemas.microsoft.com/office/drawing/2014/main" id="{74D916FD-66E2-48AB-8B7F-65D13383EFAE}"/>
-              </a:ext>
-            </a:extLst>
-          </p:cNvPr>
-          <p:cNvSpPr>
-            <a:spLocks noGrp="1"/>
-          </p:cNvSpPr>
-          <p:nvPr>
-            <p:ph type="sldNum" sz="quarter" idx="12"/>
-          </p:nvPr>
-        </p:nvSpPr>
-        <p:spPr/>
-        <p:txBody>
-          <a:bodyPr/>
-          <a:lstStyle/>
-          <a:p>
-            <a:fld id="{17F61FCC-CC83-4AF0-9E15-2B2EAFB7CEBC}" type="slidenum">
-              <a:rPr lang="ru-RU" smtClean="0"/>
-              <a:t>10</a:t>
-            </a:fld>
-            <a:endParaRPr lang="ru-RU"/>
-          </a:p>
-        </p:txBody>
-      </p:sp>
-    </p:spTree>
-    <p:extLst>
-      <p:ext uri="{BB962C8B-B14F-4D97-AF65-F5344CB8AC3E}">
-        <p14:creationId xmlns:p14="http://schemas.microsoft.com/office/powerpoint/2010/main" val="586117112"/>
-      </p:ext>
-    </p:extLst>
-  </p:cSld>
-  <p:clrMapOvr>
-    <a:masterClrMapping/>
-  </p:clrMapOvr>
-</p:sld>
-</file>
-
-<file path=ppt/slides/slide11.xml><?xml version="1.0" encoding="utf-8"?>
-<p:sld xmlns:a="http://schemas.openxmlformats.org/drawingml/2006/main" xmlns:r="http://schemas.openxmlformats.org/officeDocument/2006/relationships" xmlns:p="http://schemas.openxmlformats.org/presentationml/2006/main">
-  <p:cSld>
-    <p:spTree>
-      <p:nvGrpSpPr>
-        <p:cNvPr id="1" name=""/>
-        <p:cNvGrpSpPr/>
-        <p:nvPr/>
-      </p:nvGrpSpPr>
-      <p:grpSpPr>
-        <a:xfrm>
-          <a:off x="0" y="0"/>
-          <a:ext cx="0" cy="0"/>
-          <a:chOff x="0" y="0"/>
-          <a:chExt cx="0" cy="0"/>
-        </a:xfrm>
-      </p:grpSpPr>
-      <p:sp>
-        <p:nvSpPr>
-          <p:cNvPr id="2" name="Заголовок 1">
-            <a:extLst>
-              <a:ext uri="{FF2B5EF4-FFF2-40B4-BE49-F238E27FC236}">
                 <a16:creationId xmlns:a16="http://schemas.microsoft.com/office/drawing/2014/main" id="{AD8CD2DB-31E7-4161-BD44-0D0B23D2E4F6}"/>
               </a:ext>
             </a:extLst>
@@ -6347,7 +6313,7 @@
           <a:p>
             <a:fld id="{17F61FCC-CC83-4AF0-9E15-2B2EAFB7CEBC}" type="slidenum">
               <a:rPr lang="ru-RU" smtClean="0"/>
-              <a:t>11</a:t>
+              <a:t>10</a:t>
             </a:fld>
             <a:endParaRPr lang="ru-RU"/>
           </a:p>
@@ -6394,7 +6360,7 @@
 </p:sld>
 </file>
 
-<file path=ppt/slides/slide12.xml><?xml version="1.0" encoding="utf-8"?>
+<file path=ppt/slides/slide11.xml><?xml version="1.0" encoding="utf-8"?>
 <p:sld xmlns:a="http://schemas.openxmlformats.org/drawingml/2006/main" xmlns:r="http://schemas.openxmlformats.org/officeDocument/2006/relationships" xmlns:p="http://schemas.openxmlformats.org/presentationml/2006/main">
   <p:cSld>
     <p:spTree>
@@ -6522,7 +6488,7 @@
           <a:p>
             <a:fld id="{17F61FCC-CC83-4AF0-9E15-2B2EAFB7CEBC}" type="slidenum">
               <a:rPr lang="ru-RU" smtClean="0"/>
-              <a:t>12</a:t>
+              <a:t>11</a:t>
             </a:fld>
             <a:endParaRPr lang="ru-RU"/>
           </a:p>
@@ -6616,7 +6582,7 @@
                 <a:latin typeface="Times New Roman" panose="02020603050405020304" pitchFamily="18" charset="0"/>
                 <a:ea typeface="Calibri" panose="020F0502020204030204" pitchFamily="34" charset="0"/>
               </a:rPr>
-              <a:t>		Целью работы является разработка программного обеспечения, предоставляющее визуализацию трехмерной сцены, поддерживающие эффект зеркального отражения. В программе должна быть предусмотрена возможность поворота камеры, приближения и отдаления объектов сцены, создания собственных сооружений, состоящих из сфер, цилиндров, параллелепипедов и правильных четырехугольных пирамид.</a:t>
+              <a:t>		Целью работы является разработка программного обеспечения, предоставляющее визуализацию трехмерной сцены, поддерживающей эффект зеркального отражения. В программе должна быть предусмотрена возможность поворота камеры, приближения и отдаления объектов сцены, создания собственных сооружений, состоящих из сфер, цилиндров, параллелепипедов и правильных четырехугольных пирамид.</a:t>
             </a:r>
           </a:p>
           <a:p>
@@ -6734,31 +6700,31 @@
           <a:p>
             <a:r>
               <a:rPr lang="ru-RU" dirty="0"/>
-              <a:t>Анализ алгоритмов компьютерной графики и выбор подходящих</a:t>
+              <a:t>Проанализировать алгоритмы компьютерной графики и выбрать подходящие</a:t>
             </a:r>
           </a:p>
           <a:p>
             <a:r>
               <a:rPr lang="ru-RU" dirty="0"/>
-              <a:t>Разработка архитектуры программного обеспечения</a:t>
+              <a:t>Разработать архитектуры программного обеспечения</a:t>
             </a:r>
           </a:p>
           <a:p>
             <a:r>
               <a:rPr lang="ru-RU" dirty="0"/>
-              <a:t>Реализация программного обеспечения</a:t>
+              <a:t>Реализовать программного обеспечения</a:t>
             </a:r>
           </a:p>
           <a:p>
             <a:r>
               <a:rPr lang="ru-RU" dirty="0"/>
-              <a:t>Эксперименты сравнения времени работы алгоритма в зависимости от количества потоков</a:t>
+              <a:t>Провести эксперименты сравнения времени работы алгоритма в зависимости от количества потоков</a:t>
             </a:r>
           </a:p>
           <a:p>
             <a:r>
               <a:rPr lang="ru-RU" dirty="0"/>
-              <a:t>Эксперименты сравнения времени работы алгоритмов в зависимости от количества объектов на сцене</a:t>
+              <a:t>Провести эксперименты сравнения времени работы алгоритмов в зависимости от количества объектов на сцене</a:t>
             </a:r>
           </a:p>
           <a:p>
@@ -6841,7 +6807,12 @@
             <p:ph type="title"/>
           </p:nvPr>
         </p:nvSpPr>
-        <p:spPr/>
+        <p:spPr>
+          <a:xfrm>
+            <a:off x="611613" y="579709"/>
+            <a:ext cx="10571998" cy="970450"/>
+          </a:xfrm>
+        </p:spPr>
         <p:txBody>
           <a:bodyPr/>
           <a:lstStyle/>
@@ -6850,78 +6821,6 @@
               <a:rPr lang="ru-RU" dirty="0"/>
               <a:t>Формализация объектов синтезируемой сцены</a:t>
             </a:r>
-          </a:p>
-        </p:txBody>
-      </p:sp>
-      <p:sp>
-        <p:nvSpPr>
-          <p:cNvPr id="3" name="Объект 2">
-            <a:extLst>
-              <a:ext uri="{FF2B5EF4-FFF2-40B4-BE49-F238E27FC236}">
-                <a16:creationId xmlns:a16="http://schemas.microsoft.com/office/drawing/2014/main" id="{7D40F63A-2851-496F-8C3A-6D5FA98F7858}"/>
-              </a:ext>
-            </a:extLst>
-          </p:cNvPr>
-          <p:cNvSpPr>
-            <a:spLocks noGrp="1"/>
-          </p:cNvSpPr>
-          <p:nvPr>
-            <p:ph idx="1"/>
-          </p:nvPr>
-        </p:nvSpPr>
-        <p:spPr>
-          <a:xfrm>
-            <a:off x="818712" y="2222287"/>
-            <a:ext cx="7150262" cy="3636511"/>
-          </a:xfrm>
-        </p:spPr>
-        <p:txBody>
-          <a:bodyPr/>
-          <a:lstStyle/>
-          <a:p>
-            <a:r>
-              <a:rPr lang="ru-RU" dirty="0">
-                <a:latin typeface="Century Gothic" panose="020B0502020202020204" pitchFamily="34" charset="0"/>
-                <a:ea typeface="Times New Roman" panose="02020603050405020304" pitchFamily="18" charset="0"/>
-              </a:rPr>
-              <a:t>Конструкции</a:t>
-            </a:r>
-            <a:r>
-              <a:rPr lang="ru-RU" sz="1800" dirty="0">
-                <a:effectLst/>
-                <a:latin typeface="Century Gothic" panose="020B0502020202020204" pitchFamily="34" charset="0"/>
-                <a:ea typeface="Times New Roman" panose="02020603050405020304" pitchFamily="18" charset="0"/>
-              </a:rPr>
-              <a:t>, состоящие из сфер, цилиндров, параллелепипедов, и правильных четырехугольных пирамид.</a:t>
-            </a:r>
-          </a:p>
-          <a:p>
-            <a:r>
-              <a:rPr lang="ru-RU" sz="1800" dirty="0">
-                <a:effectLst/>
-                <a:latin typeface="Century Gothic" panose="020B0502020202020204" pitchFamily="34" charset="0"/>
-                <a:ea typeface="Times New Roman" panose="02020603050405020304" pitchFamily="18" charset="0"/>
-              </a:rPr>
-              <a:t>Точечный источник света – представляет собой фиксированную точку в пространстве из которой свет испускается равномерно во всех направлениях. Точечный источник полностью характеризуется </a:t>
-            </a:r>
-            <a:r>
-              <a:rPr lang="ru-RU" dirty="0">
-                <a:latin typeface="Century Gothic" panose="020B0502020202020204" pitchFamily="34" charset="0"/>
-                <a:ea typeface="Times New Roman" panose="02020603050405020304" pitchFamily="18" charset="0"/>
-              </a:rPr>
-              <a:t>своей</a:t>
-            </a:r>
-            <a:r>
-              <a:rPr lang="ru-RU" sz="1800" dirty="0">
-                <a:effectLst/>
-                <a:latin typeface="Century Gothic" panose="020B0502020202020204" pitchFamily="34" charset="0"/>
-                <a:ea typeface="Times New Roman" panose="02020603050405020304" pitchFamily="18" charset="0"/>
-              </a:rPr>
-              <a:t> позицией и яркостью.</a:t>
-            </a:r>
-          </a:p>
-          <a:p>
-            <a:endParaRPr lang="ru-RU" dirty="0"/>
           </a:p>
         </p:txBody>
       </p:sp>
@@ -6940,7 +6839,7 @@
           <p:nvPr/>
         </p:nvPicPr>
         <p:blipFill>
-          <a:blip r:embed="rId2"/>
+          <a:blip r:embed="rId3"/>
           <a:stretch>
             <a:fillRect/>
           </a:stretch>
@@ -6970,7 +6869,7 @@
           <p:nvPr/>
         </p:nvPicPr>
         <p:blipFill>
-          <a:blip r:embed="rId3"/>
+          <a:blip r:embed="rId4"/>
           <a:stretch>
             <a:fillRect/>
           </a:stretch>
@@ -7000,7 +6899,7 @@
           <p:nvPr/>
         </p:nvPicPr>
         <p:blipFill>
-          <a:blip r:embed="rId4"/>
+          <a:blip r:embed="rId5"/>
           <a:stretch>
             <a:fillRect/>
           </a:stretch>
@@ -7030,7 +6929,7 @@
           <p:nvPr/>
         </p:nvPicPr>
         <p:blipFill>
-          <a:blip r:embed="rId5"/>
+          <a:blip r:embed="rId6"/>
           <a:stretch>
             <a:fillRect/>
           </a:stretch>
@@ -7074,6 +6973,239 @@
           </a:p>
         </p:txBody>
       </p:sp>
+      <p:graphicFrame>
+        <p:nvGraphicFramePr>
+          <p:cNvPr id="13" name="Таблица 13">
+            <a:extLst>
+              <a:ext uri="{FF2B5EF4-FFF2-40B4-BE49-F238E27FC236}">
+                <a16:creationId xmlns:a16="http://schemas.microsoft.com/office/drawing/2014/main" id="{1DB19AC4-971C-4D64-BE62-3ADF2AAF876E}"/>
+              </a:ext>
+            </a:extLst>
+          </p:cNvPr>
+          <p:cNvGraphicFramePr>
+            <a:graphicFrameLocks noGrp="1"/>
+          </p:cNvGraphicFramePr>
+          <p:nvPr>
+            <p:extLst>
+              <p:ext uri="{D42A27DB-BD31-4B8C-83A1-F6EECF244321}">
+                <p14:modId xmlns:p14="http://schemas.microsoft.com/office/powerpoint/2010/main" val="2611506747"/>
+              </p:ext>
+            </p:extLst>
+          </p:nvPr>
+        </p:nvGraphicFramePr>
+        <p:xfrm>
+          <a:off x="611613" y="2222287"/>
+          <a:ext cx="6934788" cy="3379060"/>
+        </p:xfrm>
+        <a:graphic>
+          <a:graphicData uri="http://schemas.openxmlformats.org/drawingml/2006/table">
+            <a:tbl>
+              <a:tblPr firstRow="1" bandRow="1">
+                <a:tableStyleId>{5C22544A-7EE6-4342-B048-85BDC9FD1C3A}</a:tableStyleId>
+              </a:tblPr>
+              <a:tblGrid>
+                <a:gridCol w="3467394">
+                  <a:extLst>
+                    <a:ext uri="{9D8B030D-6E8A-4147-A177-3AD203B41FA5}">
+                      <a16:colId xmlns:a16="http://schemas.microsoft.com/office/drawing/2014/main" val="1417963140"/>
+                    </a:ext>
+                  </a:extLst>
+                </a:gridCol>
+                <a:gridCol w="3467394">
+                  <a:extLst>
+                    <a:ext uri="{9D8B030D-6E8A-4147-A177-3AD203B41FA5}">
+                      <a16:colId xmlns:a16="http://schemas.microsoft.com/office/drawing/2014/main" val="3516276160"/>
+                    </a:ext>
+                  </a:extLst>
+                </a:gridCol>
+              </a:tblGrid>
+              <a:tr h="675812">
+                <a:tc>
+                  <a:txBody>
+                    <a:bodyPr/>
+                    <a:lstStyle/>
+                    <a:p>
+                      <a:pPr algn="ctr"/>
+                      <a:r>
+                        <a:rPr lang="ru-RU" dirty="0"/>
+                        <a:t>Фигуры</a:t>
+                      </a:r>
+                    </a:p>
+                  </a:txBody>
+                  <a:tcPr anchor="ctr"/>
+                </a:tc>
+                <a:tc>
+                  <a:txBody>
+                    <a:bodyPr/>
+                    <a:lstStyle/>
+                    <a:p>
+                      <a:pPr algn="ctr"/>
+                      <a:r>
+                        <a:rPr lang="ru-RU" dirty="0"/>
+                        <a:t>Способ описания фигур</a:t>
+                      </a:r>
+                    </a:p>
+                  </a:txBody>
+                  <a:tcPr anchor="ctr"/>
+                </a:tc>
+                <a:extLst>
+                  <a:ext uri="{0D108BD9-81ED-4DB2-BD59-A6C34878D82A}">
+                    <a16:rowId xmlns:a16="http://schemas.microsoft.com/office/drawing/2014/main" val="3915243317"/>
+                  </a:ext>
+                </a:extLst>
+              </a:tr>
+              <a:tr h="675812">
+                <a:tc>
+                  <a:txBody>
+                    <a:bodyPr/>
+                    <a:lstStyle/>
+                    <a:p>
+                      <a:r>
+                        <a:rPr lang="ru-RU" dirty="0"/>
+                        <a:t>Сфера</a:t>
+                      </a:r>
+                    </a:p>
+                  </a:txBody>
+                  <a:tcPr/>
+                </a:tc>
+                <a:tc rowSpan="4">
+                  <a:txBody>
+                    <a:bodyPr/>
+                    <a:lstStyle/>
+                    <a:p>
+                      <a:pPr algn="l">
+                        <a:lnSpc>
+                          <a:spcPct val="200000"/>
+                        </a:lnSpc>
+                      </a:pPr>
+                      <a:r>
+                        <a:rPr lang="ru-RU" i="0" dirty="0"/>
+                        <a:t>Поверхностная модель. </a:t>
+                      </a:r>
+                      <a:br>
+                        <a:rPr lang="ru-RU" i="0" dirty="0"/>
+                      </a:br>
+                      <a:r>
+                        <a:rPr lang="ru-RU" i="0" dirty="0"/>
+                        <a:t>Для </a:t>
+                      </a:r>
+                      <a:r>
+                        <a:rPr lang="ru-RU" sz="1800" kern="1200" dirty="0">
+                          <a:solidFill>
+                            <a:schemeClr val="dk1"/>
+                          </a:solidFill>
+                          <a:effectLst/>
+                          <a:latin typeface="+mn-lt"/>
+                          <a:ea typeface="+mn-ea"/>
+                          <a:cs typeface="+mn-cs"/>
+                        </a:rPr>
+                        <a:t>описания поверхности фигур выбран аналитический метод.</a:t>
+                      </a:r>
+                      <a:endParaRPr lang="ru-RU" i="0" dirty="0"/>
+                    </a:p>
+                  </a:txBody>
+                  <a:tcPr/>
+                </a:tc>
+                <a:extLst>
+                  <a:ext uri="{0D108BD9-81ED-4DB2-BD59-A6C34878D82A}">
+                    <a16:rowId xmlns:a16="http://schemas.microsoft.com/office/drawing/2014/main" val="3341250118"/>
+                  </a:ext>
+                </a:extLst>
+              </a:tr>
+              <a:tr h="675812">
+                <a:tc>
+                  <a:txBody>
+                    <a:bodyPr/>
+                    <a:lstStyle/>
+                    <a:p>
+                      <a:r>
+                        <a:rPr lang="ru-RU" dirty="0"/>
+                        <a:t>Цилиндр</a:t>
+                      </a:r>
+                    </a:p>
+                  </a:txBody>
+                  <a:tcPr/>
+                </a:tc>
+                <a:tc vMerge="1">
+                  <a:txBody>
+                    <a:bodyPr/>
+                    <a:lstStyle/>
+                    <a:p>
+                      <a:endParaRPr lang="ru-RU" dirty="0"/>
+                    </a:p>
+                  </a:txBody>
+                  <a:tcPr/>
+                </a:tc>
+                <a:extLst>
+                  <a:ext uri="{0D108BD9-81ED-4DB2-BD59-A6C34878D82A}">
+                    <a16:rowId xmlns:a16="http://schemas.microsoft.com/office/drawing/2014/main" val="3139693607"/>
+                  </a:ext>
+                </a:extLst>
+              </a:tr>
+              <a:tr h="675812">
+                <a:tc>
+                  <a:txBody>
+                    <a:bodyPr/>
+                    <a:lstStyle/>
+                    <a:p>
+                      <a:r>
+                        <a:rPr lang="ru-RU" dirty="0"/>
+                        <a:t>Четырехугольная пирамида</a:t>
+                      </a:r>
+                    </a:p>
+                  </a:txBody>
+                  <a:tcPr/>
+                </a:tc>
+                <a:tc vMerge="1">
+                  <a:txBody>
+                    <a:bodyPr/>
+                    <a:lstStyle/>
+                    <a:p>
+                      <a:endParaRPr lang="ru-RU" dirty="0"/>
+                    </a:p>
+                  </a:txBody>
+                  <a:tcPr/>
+                </a:tc>
+                <a:extLst>
+                  <a:ext uri="{0D108BD9-81ED-4DB2-BD59-A6C34878D82A}">
+                    <a16:rowId xmlns:a16="http://schemas.microsoft.com/office/drawing/2014/main" val="198563858"/>
+                  </a:ext>
+                </a:extLst>
+              </a:tr>
+              <a:tr h="675812">
+                <a:tc>
+                  <a:txBody>
+                    <a:bodyPr/>
+                    <a:lstStyle/>
+                    <a:p>
+                      <a:r>
+                        <a:rPr lang="ru-RU" dirty="0"/>
+                        <a:t>Параллелограмм</a:t>
+                      </a:r>
+                    </a:p>
+                  </a:txBody>
+                  <a:tcPr/>
+                </a:tc>
+                <a:tc vMerge="1">
+                  <a:txBody>
+                    <a:bodyPr/>
+                    <a:lstStyle/>
+                    <a:p>
+                      <a:endParaRPr lang="ru-RU" dirty="0"/>
+                    </a:p>
+                  </a:txBody>
+                  <a:tcPr/>
+                </a:tc>
+                <a:extLst>
+                  <a:ext uri="{0D108BD9-81ED-4DB2-BD59-A6C34878D82A}">
+                    <a16:rowId xmlns:a16="http://schemas.microsoft.com/office/drawing/2014/main" val="4109087581"/>
+                  </a:ext>
+                </a:extLst>
+              </a:tr>
+            </a:tbl>
+          </a:graphicData>
+        </a:graphic>
+      </p:graphicFrame>
     </p:spTree>
     <p:extLst>
       <p:ext uri="{BB962C8B-B14F-4D97-AF65-F5344CB8AC3E}">
@@ -7850,316 +7982,6 @@
           <p:cNvPr id="2" name="Заголовок 1">
             <a:extLst>
               <a:ext uri="{FF2B5EF4-FFF2-40B4-BE49-F238E27FC236}">
-                <a16:creationId xmlns:a16="http://schemas.microsoft.com/office/drawing/2014/main" id="{C81A8F98-50EF-44B9-BC1F-30E10F648E22}"/>
-              </a:ext>
-            </a:extLst>
-          </p:cNvPr>
-          <p:cNvSpPr>
-            <a:spLocks noGrp="1"/>
-          </p:cNvSpPr>
-          <p:nvPr>
-            <p:ph type="title"/>
-          </p:nvPr>
-        </p:nvSpPr>
-        <p:spPr/>
-        <p:txBody>
-          <a:bodyPr/>
-          <a:lstStyle/>
-          <a:p>
-            <a:r>
-              <a:rPr lang="ru-RU" b="1" kern="0" dirty="0">
-                <a:effectLst/>
-                <a:latin typeface="+mn-lt"/>
-                <a:ea typeface="Times New Roman" panose="02020603050405020304" pitchFamily="18" charset="0"/>
-                <a:cs typeface="Times New Roman" panose="02020603050405020304" pitchFamily="18" charset="0"/>
-              </a:rPr>
-              <a:t>Пересечение луча с объектами сцены</a:t>
-            </a:r>
-            <a:endParaRPr lang="ru-RU" sz="7200" dirty="0">
-              <a:latin typeface="+mn-lt"/>
-            </a:endParaRPr>
-          </a:p>
-        </p:txBody>
-      </p:sp>
-      <mc:AlternateContent xmlns:mc="http://schemas.openxmlformats.org/markup-compatibility/2006">
-        <mc:Choice xmlns:a14="http://schemas.microsoft.com/office/drawing/2010/main" Requires="a14">
-          <p:sp>
-            <p:nvSpPr>
-              <p:cNvPr id="3" name="Объект 2">
-                <a:extLst>
-                  <a:ext uri="{FF2B5EF4-FFF2-40B4-BE49-F238E27FC236}">
-                    <a16:creationId xmlns:a16="http://schemas.microsoft.com/office/drawing/2014/main" id="{AB18C5A2-F175-49F0-8AAA-A36F23774914}"/>
-                  </a:ext>
-                </a:extLst>
-              </p:cNvPr>
-              <p:cNvSpPr>
-                <a:spLocks noGrp="1"/>
-              </p:cNvSpPr>
-              <p:nvPr>
-                <p:ph idx="1"/>
-              </p:nvPr>
-            </p:nvSpPr>
-            <p:spPr>
-              <a:xfrm>
-                <a:off x="818711" y="2222287"/>
-                <a:ext cx="6585265" cy="3636511"/>
-              </a:xfrm>
-            </p:spPr>
-            <p:txBody>
-              <a:bodyPr/>
-              <a:lstStyle/>
-              <a:p>
-                <a:pPr marL="0" indent="0">
-                  <a:buNone/>
-                </a:pPr>
-                <a:r>
-                  <a:rPr lang="ru-RU" sz="2000" dirty="0">
-                    <a:effectLst/>
-                    <a:ea typeface="Calibri" panose="020F0502020204030204" pitchFamily="34" charset="0"/>
-                  </a:rPr>
-                  <a:t>	Наилучшим способом представления лучей является использование параметрического уравнения. Любую точку </a:t>
-                </a:r>
-                <a:r>
-                  <a:rPr lang="ru-RU" sz="2000" dirty="0">
-                    <a:effectLst/>
-                    <a:ea typeface="Calibri" panose="020F0502020204030204" pitchFamily="34" charset="0"/>
-                    <a:cs typeface="Cambria Math" panose="02040503050406030204" pitchFamily="18" charset="0"/>
-                  </a:rPr>
-                  <a:t>𝑃</a:t>
-                </a:r>
-                <a:r>
-                  <a:rPr lang="ru-RU" sz="2000" dirty="0">
-                    <a:effectLst/>
-                    <a:ea typeface="Calibri" panose="020F0502020204030204" pitchFamily="34" charset="0"/>
-                  </a:rPr>
-                  <a:t> луча можно представить как </a:t>
-                </a:r>
-                <a14:m>
-                  <m:oMath xmlns:m="http://schemas.openxmlformats.org/officeDocument/2006/math">
-                    <m:r>
-                      <a:rPr lang="ru-RU" sz="2000" i="1">
-                        <a:effectLst/>
-                        <a:ea typeface="Calibri" panose="020F0502020204030204" pitchFamily="34" charset="0"/>
-                      </a:rPr>
-                      <m:t>𝑃</m:t>
-                    </m:r>
-                  </m:oMath>
-                </a14:m>
-                <a:r>
-                  <a:rPr lang="ru-RU" sz="2000" dirty="0">
-                    <a:effectLst/>
-                    <a:ea typeface="Calibri" panose="020F0502020204030204" pitchFamily="34" charset="0"/>
-                  </a:rPr>
-                  <a:t> = </a:t>
-                </a:r>
-                <a14:m>
-                  <m:oMath xmlns:m="http://schemas.openxmlformats.org/officeDocument/2006/math">
-                    <m:r>
-                      <a:rPr lang="ru-RU" sz="2000" i="1">
-                        <a:effectLst/>
-                        <a:ea typeface="Calibri" panose="020F0502020204030204" pitchFamily="34" charset="0"/>
-                      </a:rPr>
-                      <m:t>𝑂</m:t>
-                    </m:r>
-                  </m:oMath>
-                </a14:m>
-                <a:r>
-                  <a:rPr lang="ru-RU" sz="2000" dirty="0">
-                    <a:effectLst/>
-                    <a:ea typeface="Calibri" panose="020F0502020204030204" pitchFamily="34" charset="0"/>
-                    <a:cs typeface="Cambria Math" panose="02040503050406030204" pitchFamily="18" charset="0"/>
-                  </a:rPr>
-                  <a:t> </a:t>
-                </a:r>
-                <a:r>
-                  <a:rPr lang="ru-RU" sz="2000" dirty="0">
-                    <a:effectLst/>
-                    <a:ea typeface="Calibri" panose="020F0502020204030204" pitchFamily="34" charset="0"/>
-                  </a:rPr>
-                  <a:t>+ </a:t>
-                </a:r>
-                <a14:m>
-                  <m:oMath xmlns:m="http://schemas.openxmlformats.org/officeDocument/2006/math">
-                    <m:r>
-                      <a:rPr lang="ru-RU" sz="2000" i="1">
-                        <a:effectLst/>
-                        <a:ea typeface="Calibri" panose="020F0502020204030204" pitchFamily="34" charset="0"/>
-                      </a:rPr>
-                      <m:t>𝑡</m:t>
-                    </m:r>
-                    <m:acc>
-                      <m:accPr>
-                        <m:chr m:val="⃗"/>
-                        <m:ctrlPr>
-                          <a:rPr lang="ru-RU" sz="2000" i="1">
-                            <a:effectLst/>
-                            <a:ea typeface="Calibri" panose="020F0502020204030204" pitchFamily="34" charset="0"/>
-                          </a:rPr>
-                        </m:ctrlPr>
-                      </m:accPr>
-                      <m:e>
-                        <m:r>
-                          <a:rPr lang="ru-RU" sz="2000" i="1">
-                            <a:effectLst/>
-                            <a:ea typeface="Calibri" panose="020F0502020204030204" pitchFamily="34" charset="0"/>
-                          </a:rPr>
-                          <m:t>𝐷</m:t>
-                        </m:r>
-                      </m:e>
-                    </m:acc>
-                    <m:r>
-                      <a:rPr lang="ru-RU" sz="2000" b="0" i="0" smtClean="0">
-                        <a:effectLst/>
-                        <a:latin typeface="Cambria Math" panose="02040503050406030204" pitchFamily="18" charset="0"/>
-                        <a:ea typeface="Calibri" panose="020F0502020204030204" pitchFamily="34" charset="0"/>
-                      </a:rPr>
-                      <m:t>.</m:t>
-                    </m:r>
-                  </m:oMath>
-                </a14:m>
-                <a:endParaRPr lang="ru-RU" dirty="0"/>
-              </a:p>
-            </p:txBody>
-          </p:sp>
-        </mc:Choice>
-        <mc:Fallback>
-          <p:sp>
-            <p:nvSpPr>
-              <p:cNvPr id="3" name="Объект 2">
-                <a:extLst>
-                  <a:ext uri="{FF2B5EF4-FFF2-40B4-BE49-F238E27FC236}">
-                    <a16:creationId xmlns:a16="http://schemas.microsoft.com/office/drawing/2014/main" id="{AB18C5A2-F175-49F0-8AAA-A36F23774914}"/>
-                  </a:ext>
-                </a:extLst>
-              </p:cNvPr>
-              <p:cNvSpPr>
-                <a:spLocks noGrp="1" noRot="1" noChangeAspect="1" noMove="1" noResize="1" noEditPoints="1" noAdjustHandles="1" noChangeArrowheads="1" noChangeShapeType="1" noTextEdit="1"/>
-              </p:cNvSpPr>
-              <p:nvPr>
-                <p:ph idx="1"/>
-              </p:nvPr>
-            </p:nvSpPr>
-            <p:spPr>
-              <a:xfrm>
-                <a:off x="818711" y="2222287"/>
-                <a:ext cx="6585265" cy="3636511"/>
-              </a:xfrm>
-              <a:blipFill>
-                <a:blip r:embed="rId2"/>
-                <a:stretch>
-                  <a:fillRect/>
-                </a:stretch>
-              </a:blipFill>
-            </p:spPr>
-            <p:txBody>
-              <a:bodyPr/>
-              <a:lstStyle/>
-              <a:p>
-                <a:r>
-                  <a:rPr lang="ru-RU">
-                    <a:noFill/>
-                  </a:rPr>
-                  <a:t> </a:t>
-                </a:r>
-              </a:p>
-            </p:txBody>
-          </p:sp>
-        </mc:Fallback>
-      </mc:AlternateContent>
-      <p:sp>
-        <p:nvSpPr>
-          <p:cNvPr id="4" name="Номер слайда 3">
-            <a:extLst>
-              <a:ext uri="{FF2B5EF4-FFF2-40B4-BE49-F238E27FC236}">
-                <a16:creationId xmlns:a16="http://schemas.microsoft.com/office/drawing/2014/main" id="{F3339CC2-15FC-4494-BE3A-33EC1E5A86E7}"/>
-              </a:ext>
-            </a:extLst>
-          </p:cNvPr>
-          <p:cNvSpPr>
-            <a:spLocks noGrp="1"/>
-          </p:cNvSpPr>
-          <p:nvPr>
-            <p:ph type="sldNum" sz="quarter" idx="12"/>
-          </p:nvPr>
-        </p:nvSpPr>
-        <p:spPr/>
-        <p:txBody>
-          <a:bodyPr/>
-          <a:lstStyle/>
-          <a:p>
-            <a:fld id="{17F61FCC-CC83-4AF0-9E15-2B2EAFB7CEBC}" type="slidenum">
-              <a:rPr lang="ru-RU" smtClean="0"/>
-              <a:t>7</a:t>
-            </a:fld>
-            <a:endParaRPr lang="ru-RU"/>
-          </a:p>
-        </p:txBody>
-      </p:sp>
-      <p:pic>
-        <p:nvPicPr>
-          <p:cNvPr id="8" name="Рисунок 7">
-            <a:extLst>
-              <a:ext uri="{FF2B5EF4-FFF2-40B4-BE49-F238E27FC236}">
-                <a16:creationId xmlns:a16="http://schemas.microsoft.com/office/drawing/2014/main" id="{49E19957-1C0E-4DB2-ABF7-E4FBFFC01504}"/>
-              </a:ext>
-            </a:extLst>
-          </p:cNvPr>
-          <p:cNvPicPr>
-            <a:picLocks noChangeAspect="1"/>
-          </p:cNvPicPr>
-          <p:nvPr/>
-        </p:nvPicPr>
-        <p:blipFill>
-          <a:blip r:embed="rId3"/>
-          <a:stretch>
-            <a:fillRect/>
-          </a:stretch>
-        </p:blipFill>
-        <p:spPr>
-          <a:xfrm>
-            <a:off x="7600045" y="2222287"/>
-            <a:ext cx="3781953" cy="3696216"/>
-          </a:xfrm>
-          <a:prstGeom prst="rect">
-            <a:avLst/>
-          </a:prstGeom>
-        </p:spPr>
-      </p:pic>
-    </p:spTree>
-    <p:extLst>
-      <p:ext uri="{BB962C8B-B14F-4D97-AF65-F5344CB8AC3E}">
-        <p14:creationId xmlns:p14="http://schemas.microsoft.com/office/powerpoint/2010/main" val="1006855256"/>
-      </p:ext>
-    </p:extLst>
-  </p:cSld>
-  <p:clrMapOvr>
-    <a:masterClrMapping/>
-  </p:clrMapOvr>
-</p:sld>
-</file>
-
-<file path=ppt/slides/slide8.xml><?xml version="1.0" encoding="utf-8"?>
-<p:sld xmlns:a="http://schemas.openxmlformats.org/drawingml/2006/main" xmlns:r="http://schemas.openxmlformats.org/officeDocument/2006/relationships" xmlns:p="http://schemas.openxmlformats.org/presentationml/2006/main">
-  <p:cSld>
-    <p:spTree>
-      <p:nvGrpSpPr>
-        <p:cNvPr id="1" name=""/>
-        <p:cNvGrpSpPr/>
-        <p:nvPr/>
-      </p:nvGrpSpPr>
-      <p:grpSpPr>
-        <a:xfrm>
-          <a:off x="0" y="0"/>
-          <a:ext cx="0" cy="0"/>
-          <a:chOff x="0" y="0"/>
-          <a:chExt cx="0" cy="0"/>
-        </a:xfrm>
-      </p:grpSpPr>
-      <p:sp>
-        <p:nvSpPr>
-          <p:cNvPr id="2" name="Заголовок 1">
-            <a:extLst>
-              <a:ext uri="{FF2B5EF4-FFF2-40B4-BE49-F238E27FC236}">
                 <a16:creationId xmlns:a16="http://schemas.microsoft.com/office/drawing/2014/main" id="{ACB0753B-A7E0-4BA9-9706-695258746A94}"/>
               </a:ext>
             </a:extLst>
@@ -8219,7 +8041,7 @@
           <a:p>
             <a:fld id="{17F61FCC-CC83-4AF0-9E15-2B2EAFB7CEBC}" type="slidenum">
               <a:rPr lang="ru-RU" smtClean="0"/>
-              <a:t>8</a:t>
+              <a:t>7</a:t>
             </a:fld>
             <a:endParaRPr lang="ru-RU"/>
           </a:p>
@@ -8266,7 +8088,7 @@
 </p:sld>
 </file>
 
-<file path=ppt/slides/slide9.xml><?xml version="1.0" encoding="utf-8"?>
+<file path=ppt/slides/slide8.xml><?xml version="1.0" encoding="utf-8"?>
 <p:sld xmlns:a="http://schemas.openxmlformats.org/drawingml/2006/main" xmlns:r="http://schemas.openxmlformats.org/officeDocument/2006/relationships" xmlns:p="http://schemas.openxmlformats.org/presentationml/2006/main">
   <p:cSld>
     <p:spTree>
@@ -8378,7 +8200,7 @@
           <a:p>
             <a:fld id="{17F61FCC-CC83-4AF0-9E15-2B2EAFB7CEBC}" type="slidenum">
               <a:rPr lang="ru-RU" smtClean="0"/>
-              <a:t>9</a:t>
+              <a:t>8</a:t>
             </a:fld>
             <a:endParaRPr lang="ru-RU"/>
           </a:p>
@@ -8448,6 +8270,123 @@
     <p:extLst>
       <p:ext uri="{BB962C8B-B14F-4D97-AF65-F5344CB8AC3E}">
         <p14:creationId xmlns:p14="http://schemas.microsoft.com/office/powerpoint/2010/main" val="2060414808"/>
+      </p:ext>
+    </p:extLst>
+  </p:cSld>
+  <p:clrMapOvr>
+    <a:masterClrMapping/>
+  </p:clrMapOvr>
+</p:sld>
+</file>
+
+<file path=ppt/slides/slide9.xml><?xml version="1.0" encoding="utf-8"?>
+<p:sld xmlns:a="http://schemas.openxmlformats.org/drawingml/2006/main" xmlns:r="http://schemas.openxmlformats.org/officeDocument/2006/relationships" xmlns:p="http://schemas.openxmlformats.org/presentationml/2006/main">
+  <p:cSld>
+    <p:spTree>
+      <p:nvGrpSpPr>
+        <p:cNvPr id="1" name=""/>
+        <p:cNvGrpSpPr/>
+        <p:nvPr/>
+      </p:nvGrpSpPr>
+      <p:grpSpPr>
+        <a:xfrm>
+          <a:off x="0" y="0"/>
+          <a:ext cx="0" cy="0"/>
+          <a:chOff x="0" y="0"/>
+          <a:chExt cx="0" cy="0"/>
+        </a:xfrm>
+      </p:grpSpPr>
+      <p:sp>
+        <p:nvSpPr>
+          <p:cNvPr id="2" name="Заголовок 1">
+            <a:extLst>
+              <a:ext uri="{FF2B5EF4-FFF2-40B4-BE49-F238E27FC236}">
+                <a16:creationId xmlns:a16="http://schemas.microsoft.com/office/drawing/2014/main" id="{03819F70-BFD2-42B6-8430-4465F4B39919}"/>
+              </a:ext>
+            </a:extLst>
+          </p:cNvPr>
+          <p:cNvSpPr>
+            <a:spLocks noGrp="1"/>
+          </p:cNvSpPr>
+          <p:nvPr>
+            <p:ph type="title"/>
+          </p:nvPr>
+        </p:nvSpPr>
+        <p:spPr/>
+        <p:txBody>
+          <a:bodyPr/>
+          <a:lstStyle/>
+          <a:p>
+            <a:r>
+              <a:rPr lang="ru-RU" dirty="0"/>
+              <a:t>Интерфейс программы</a:t>
+            </a:r>
+          </a:p>
+        </p:txBody>
+      </p:sp>
+      <p:pic>
+        <p:nvPicPr>
+          <p:cNvPr id="5" name="Рисунок 4">
+            <a:extLst>
+              <a:ext uri="{FF2B5EF4-FFF2-40B4-BE49-F238E27FC236}">
+                <a16:creationId xmlns:a16="http://schemas.microsoft.com/office/drawing/2014/main" id="{147CCFF0-6503-493F-8DFF-9F3413A30226}"/>
+              </a:ext>
+            </a:extLst>
+          </p:cNvPr>
+          <p:cNvPicPr>
+            <a:picLocks noChangeAspect="1"/>
+          </p:cNvPicPr>
+          <p:nvPr/>
+        </p:nvPicPr>
+        <p:blipFill>
+          <a:blip r:embed="rId2"/>
+          <a:stretch>
+            <a:fillRect/>
+          </a:stretch>
+        </p:blipFill>
+        <p:spPr>
+          <a:xfrm>
+            <a:off x="2312733" y="1592473"/>
+            <a:ext cx="7566531" cy="4694051"/>
+          </a:xfrm>
+          <a:prstGeom prst="rect">
+            <a:avLst/>
+          </a:prstGeom>
+        </p:spPr>
+      </p:pic>
+      <p:sp>
+        <p:nvSpPr>
+          <p:cNvPr id="3" name="Номер слайда 2">
+            <a:extLst>
+              <a:ext uri="{FF2B5EF4-FFF2-40B4-BE49-F238E27FC236}">
+                <a16:creationId xmlns:a16="http://schemas.microsoft.com/office/drawing/2014/main" id="{74D916FD-66E2-48AB-8B7F-65D13383EFAE}"/>
+              </a:ext>
+            </a:extLst>
+          </p:cNvPr>
+          <p:cNvSpPr>
+            <a:spLocks noGrp="1"/>
+          </p:cNvSpPr>
+          <p:nvPr>
+            <p:ph type="sldNum" sz="quarter" idx="12"/>
+          </p:nvPr>
+        </p:nvSpPr>
+        <p:spPr/>
+        <p:txBody>
+          <a:bodyPr/>
+          <a:lstStyle/>
+          <a:p>
+            <a:fld id="{17F61FCC-CC83-4AF0-9E15-2B2EAFB7CEBC}" type="slidenum">
+              <a:rPr lang="ru-RU" smtClean="0"/>
+              <a:t>9</a:t>
+            </a:fld>
+            <a:endParaRPr lang="ru-RU"/>
+          </a:p>
+        </p:txBody>
+      </p:sp>
+    </p:spTree>
+    <p:extLst>
+      <p:ext uri="{BB962C8B-B14F-4D97-AF65-F5344CB8AC3E}">
+        <p14:creationId xmlns:p14="http://schemas.microsoft.com/office/powerpoint/2010/main" val="586117112"/>
       </p:ext>
     </p:extLst>
   </p:cSld>
